--- a/Poster resources/ShapiroPosterSecondDraft.pptx
+++ b/Poster resources/ShapiroPosterSecondDraft.pptx
@@ -650,7 +650,7 @@
               </a14:hiddenFill>
             </a:ext>
             <a:ext uri="{FAA26D3D-D897-4be2-8F04-BA451C77F1D7}">
-              <ma14:placeholderFlag xmlns:ma14="http://schemas.microsoft.com/office/mac/drawingml/2011/main" xmlns="" val="1"/>
+              <ma14:placeholderFlag xmlns="" xmlns:ma14="http://schemas.microsoft.com/office/mac/drawingml/2011/main" val="1"/>
             </a:ext>
           </a:extLst>
         </p:spPr>
@@ -3724,7 +3724,7 @@
               </a14:hiddenEffects>
             </a:ext>
             <a:ext uri="{FAA26D3D-D897-4be2-8F04-BA451C77F1D7}">
-              <ma14:placeholderFlag xmlns:ma14="http://schemas.microsoft.com/office/mac/drawingml/2011/main" xmlns="" val="1"/>
+              <ma14:placeholderFlag xmlns="" xmlns:ma14="http://schemas.microsoft.com/office/mac/drawingml/2011/main" val="1"/>
             </a:ext>
           </a:extLst>
         </p:spPr>
@@ -3798,7 +3798,7 @@
               </a14:hiddenEffects>
             </a:ext>
             <a:ext uri="{FAA26D3D-D897-4be2-8F04-BA451C77F1D7}">
-              <ma14:placeholderFlag xmlns:ma14="http://schemas.microsoft.com/office/mac/drawingml/2011/main" xmlns="" val="1"/>
+              <ma14:placeholderFlag xmlns="" xmlns:ma14="http://schemas.microsoft.com/office/mac/drawingml/2011/main" val="1"/>
             </a:ext>
           </a:extLst>
         </p:spPr>
@@ -3900,7 +3900,7 @@
               </a14:hiddenEffects>
             </a:ext>
             <a:ext uri="{FAA26D3D-D897-4be2-8F04-BA451C77F1D7}">
-              <ma14:placeholderFlag xmlns:ma14="http://schemas.microsoft.com/office/mac/drawingml/2011/main" xmlns="" val="1"/>
+              <ma14:placeholderFlag xmlns="" xmlns:ma14="http://schemas.microsoft.com/office/mac/drawingml/2011/main" val="1"/>
             </a:ext>
           </a:extLst>
         </p:spPr>
@@ -3980,7 +3980,7 @@
               </a14:hiddenEffects>
             </a:ext>
             <a:ext uri="{FAA26D3D-D897-4be2-8F04-BA451C77F1D7}">
-              <ma14:placeholderFlag xmlns:ma14="http://schemas.microsoft.com/office/mac/drawingml/2011/main" xmlns="" val="1"/>
+              <ma14:placeholderFlag xmlns="" xmlns:ma14="http://schemas.microsoft.com/office/mac/drawingml/2011/main" val="1"/>
             </a:ext>
           </a:extLst>
         </p:spPr>
@@ -4060,7 +4060,7 @@
               </a14:hiddenEffects>
             </a:ext>
             <a:ext uri="{FAA26D3D-D897-4be2-8F04-BA451C77F1D7}">
-              <ma14:placeholderFlag xmlns:ma14="http://schemas.microsoft.com/office/mac/drawingml/2011/main" xmlns="" val="1"/>
+              <ma14:placeholderFlag xmlns="" xmlns:ma14="http://schemas.microsoft.com/office/mac/drawingml/2011/main" val="1"/>
             </a:ext>
           </a:extLst>
         </p:spPr>
@@ -5019,7 +5019,6 @@
               <a:rPr lang="en-US" sz="2000" dirty="0" smtClean="0"/>
               <a:t>.</a:t>
             </a:r>
-            <a:endParaRPr lang="en-US" sz="2000" dirty="0" smtClean="0"/>
           </a:p>
         </p:txBody>
       </p:sp>
@@ -5049,13 +5048,7 @@
               <a:rPr lang="en-US" sz="3700" dirty="0">
                 <a:latin typeface="Garamond" panose="02020404030301010803" pitchFamily="18" charset="0"/>
               </a:rPr>
-              <a:t>We present our progress on the comparison of different image recognition algorithms. We </a:t>
-            </a:r>
-            <a:r>
-              <a:rPr lang="en-US" sz="3700" dirty="0">
-                <a:latin typeface="Garamond" panose="02020404030301010803" pitchFamily="18" charset="0"/>
-              </a:rPr>
-              <a:t>studied large feature extraction  </a:t>
+              <a:t>We present our progress on the comparison of different image recognition algorithms. We studied large feature extraction  </a:t>
             </a:r>
             <a:r>
               <a:rPr lang="en-US" sz="3700" dirty="0" smtClean="0">
@@ -5073,13 +5066,7 @@
               <a:rPr lang="en-US" sz="3700" dirty="0" smtClean="0">
                 <a:latin typeface="Garamond" panose="02020404030301010803" pitchFamily="18" charset="0"/>
               </a:rPr>
-              <a:t>detection </a:t>
-            </a:r>
-            <a:r>
-              <a:rPr lang="en-US" sz="3700" dirty="0" smtClean="0">
-                <a:latin typeface="Garamond" panose="02020404030301010803" pitchFamily="18" charset="0"/>
-              </a:rPr>
-              <a:t>algorithm</a:t>
+              <a:t>detection algorithm</a:t>
             </a:r>
             <a:r>
               <a:rPr lang="en-US" sz="3700" dirty="0">
@@ -5145,13 +5132,7 @@
               <a:rPr lang="en-US" sz="3700" smtClean="0">
                 <a:latin typeface="Garamond" panose="02020404030301010803" pitchFamily="18" charset="0"/>
               </a:rPr>
-              <a:t>was</a:t>
-            </a:r>
-            <a:r>
-              <a:rPr lang="en-US" sz="3700" smtClean="0">
-                <a:latin typeface="Garamond" panose="02020404030301010803" pitchFamily="18" charset="0"/>
-              </a:rPr>
-              <a:t> </a:t>
+              <a:t>was </a:t>
             </a:r>
             <a:r>
               <a:rPr lang="en-US" sz="3700">
@@ -5365,23 +5346,7 @@
             </a:r>
             <a:r>
               <a:rPr lang="en-US" sz="3200" dirty="0" smtClean="0"/>
-              <a:t>The five basic </a:t>
-            </a:r>
-            <a:r>
-              <a:rPr lang="en-US" sz="3200" dirty="0" smtClean="0"/>
-              <a:t>features we </a:t>
-            </a:r>
-            <a:r>
-              <a:rPr lang="en-US" sz="3200" dirty="0" smtClean="0"/>
-              <a:t>used. All other feasters </a:t>
-            </a:r>
-            <a:r>
-              <a:rPr lang="en-US" sz="3200" dirty="0" smtClean="0"/>
-              <a:t>can be created from these</a:t>
-            </a:r>
-            <a:r>
-              <a:rPr lang="en-US" sz="3200" dirty="0" smtClean="0"/>
-              <a:t>. </a:t>
+              <a:t>The five basic features we used. All other feasters can be created from these. </a:t>
             </a:r>
             <a:endParaRPr lang="en-US" sz="3200" b="1" dirty="0"/>
           </a:p>
@@ -5513,19 +5478,7 @@
             </a:r>
             <a:r>
               <a:rPr lang="en-US" sz="3200" dirty="0" smtClean="0"/>
-              <a:t> features </a:t>
-            </a:r>
-            <a:r>
-              <a:rPr lang="en-US" sz="3200" dirty="0" smtClean="0"/>
-              <a:t>are</a:t>
-            </a:r>
-            <a:r>
-              <a:rPr lang="en-US" sz="3200" dirty="0" smtClean="0"/>
-              <a:t> </a:t>
-            </a:r>
-            <a:r>
-              <a:rPr lang="en-US" sz="3200" dirty="0" smtClean="0"/>
-              <a:t>used to represent a face. [1]</a:t>
+              <a:t> features are used to represent a face. [1]</a:t>
             </a:r>
             <a:endParaRPr lang="en-US" sz="3200" b="1" dirty="0"/>
           </a:p>
@@ -5557,25 +5510,7 @@
               <a:rPr lang="en-US" sz="3700" dirty="0" smtClean="0">
                 <a:latin typeface="Garamond" panose="02020404030301010803" pitchFamily="18" charset="0"/>
               </a:rPr>
-              <a:t>Many</a:t>
-            </a:r>
-            <a:r>
-              <a:rPr lang="en-US" sz="3700" dirty="0" smtClean="0">
-                <a:latin typeface="Garamond" panose="02020404030301010803" pitchFamily="18" charset="0"/>
-              </a:rPr>
-              <a:t> </a:t>
-            </a:r>
-            <a:r>
-              <a:rPr lang="en-US" sz="3700" dirty="0" smtClean="0">
-                <a:latin typeface="Garamond" panose="02020404030301010803" pitchFamily="18" charset="0"/>
-              </a:rPr>
-              <a:t>face detection </a:t>
-            </a:r>
-            <a:r>
-              <a:rPr lang="en-US" sz="3700" dirty="0" smtClean="0">
-                <a:latin typeface="Garamond" panose="02020404030301010803" pitchFamily="18" charset="0"/>
-              </a:rPr>
-              <a:t>algorithms use </a:t>
+              <a:t>Many face detection algorithms use </a:t>
             </a:r>
             <a:r>
               <a:rPr lang="en-US" sz="3700" b="1" dirty="0" err="1" smtClean="0">
@@ -5593,25 +5528,7 @@
               <a:rPr lang="en-US" sz="3700" dirty="0" smtClean="0">
                 <a:latin typeface="Garamond" panose="02020404030301010803" pitchFamily="18" charset="0"/>
               </a:rPr>
-              <a:t> to identify </a:t>
-            </a:r>
-            <a:r>
-              <a:rPr lang="en-US" sz="3700" dirty="0" smtClean="0">
-                <a:latin typeface="Garamond" panose="02020404030301010803" pitchFamily="18" charset="0"/>
-              </a:rPr>
-              <a:t>large facial </a:t>
-            </a:r>
-            <a:r>
-              <a:rPr lang="en-US" sz="3700" dirty="0" smtClean="0">
-                <a:latin typeface="Garamond" panose="02020404030301010803" pitchFamily="18" charset="0"/>
-              </a:rPr>
-              <a:t>features. </a:t>
-            </a:r>
-            <a:r>
-              <a:rPr lang="en-US" sz="3700" dirty="0" smtClean="0">
-                <a:latin typeface="Garamond" panose="02020404030301010803" pitchFamily="18" charset="0"/>
-              </a:rPr>
-              <a:t>Identifying major features this way is the basic idea behind </a:t>
+              <a:t> to identify large facial features. Identifying major features this way is the basic idea behind </a:t>
             </a:r>
             <a:r>
               <a:rPr lang="en-US" sz="3700" b="1" dirty="0" smtClean="0">
@@ -5623,19 +5540,7 @@
               <a:rPr lang="en-US" sz="3700" dirty="0" smtClean="0">
                 <a:latin typeface="Garamond" panose="02020404030301010803" pitchFamily="18" charset="0"/>
               </a:rPr>
-              <a:t>. </a:t>
-            </a:r>
-            <a:r>
-              <a:rPr lang="en-US" sz="3700" dirty="0" smtClean="0">
-                <a:latin typeface="Garamond" panose="02020404030301010803" pitchFamily="18" charset="0"/>
-              </a:rPr>
-              <a:t>All </a:t>
-            </a:r>
-            <a:r>
-              <a:rPr lang="en-US" sz="3700" dirty="0" smtClean="0">
-                <a:latin typeface="Garamond" panose="02020404030301010803" pitchFamily="18" charset="0"/>
-              </a:rPr>
-              <a:t>of the </a:t>
+              <a:t>. All of the </a:t>
             </a:r>
             <a:r>
               <a:rPr lang="en-US" sz="3700" dirty="0" err="1" smtClean="0">
@@ -5667,8 +5572,8 @@
           </a:p>
         </p:txBody>
       </p:sp>
-      <mc:AlternateContent xmlns:mc="http://schemas.openxmlformats.org/markup-compatibility/2006">
-        <mc:Choice xmlns:a14="http://schemas.microsoft.com/office/drawing/2010/main" Requires="a14">
+      <mc:AlternateContent xmlns:mc="http://schemas.openxmlformats.org/markup-compatibility/2006" xmlns:a14="http://schemas.microsoft.com/office/drawing/2010/main">
+        <mc:Choice Requires="a14">
           <p:sp>
             <p:nvSpPr>
               <p:cNvPr id="26" name="TextBox 25"/>
@@ -5701,25 +5606,7 @@
                   <a:rPr lang="en-US" sz="3700" dirty="0" smtClean="0">
                     <a:latin typeface="Garamond" panose="02020404030301010803" pitchFamily="18" charset="0"/>
                   </a:rPr>
-                  <a:t> is a machine learning algorithm that selects the best features </a:t>
-                </a:r>
-                <a:r>
-                  <a:rPr lang="en-US" sz="3700" dirty="0" smtClean="0">
-                    <a:latin typeface="Garamond" panose="02020404030301010803" pitchFamily="18" charset="0"/>
-                  </a:rPr>
-                  <a:t>for face detection</a:t>
-                </a:r>
-                <a:r>
-                  <a:rPr lang="en-US" sz="3700" dirty="0" smtClean="0">
-                    <a:latin typeface="Garamond" panose="02020404030301010803" pitchFamily="18" charset="0"/>
-                  </a:rPr>
-                  <a:t>. We start </a:t>
-                </a:r>
-                <a:r>
-                  <a:rPr lang="en-US" sz="3700" dirty="0" smtClean="0">
-                    <a:latin typeface="Garamond" panose="02020404030301010803" pitchFamily="18" charset="0"/>
-                  </a:rPr>
-                  <a:t>out with a large number of </a:t>
+                  <a:t> is a machine learning algorithm that selects the best features for face detection. We start out with a large number of </a:t>
                 </a:r>
                 <a:r>
                   <a:rPr lang="en-US" sz="3700" b="1" dirty="0" smtClean="0">
@@ -5868,14 +5755,7 @@
                         <a:latin typeface="Cambria Math" panose="02040503050406030204" pitchFamily="18" charset="0"/>
                         <a:ea typeface="Cambria Math" panose="02040503050406030204" pitchFamily="18" charset="0"/>
                       </a:rPr>
-                      <m:t>,</m:t>
-                    </m:r>
-                    <m:r>
-                      <a:rPr lang="en-US" sz="3700" b="0" i="1" smtClean="0">
-                        <a:latin typeface="Cambria Math" panose="02040503050406030204" pitchFamily="18" charset="0"/>
-                        <a:ea typeface="Cambria Math" panose="02040503050406030204" pitchFamily="18" charset="0"/>
-                      </a:rPr>
-                      <m:t> </m:t>
+                      <m:t>, </m:t>
                     </m:r>
                     <m:r>
                       <a:rPr lang="en-US" sz="3700" b="0" i="1" smtClean="0">
@@ -6027,13 +5907,7 @@
                   <a:rPr lang="en-US" sz="3700" dirty="0" smtClean="0">
                     <a:latin typeface="Garamond" panose="02020404030301010803" pitchFamily="18" charset="0"/>
                   </a:rPr>
-                  <a:t> is how well the feature matches the image.</a:t>
-                </a:r>
-                <a:r>
-                  <a:rPr lang="en-US" sz="3700" dirty="0" smtClean="0">
-                    <a:latin typeface="Garamond" panose="02020404030301010803" pitchFamily="18" charset="0"/>
-                  </a:rPr>
-                  <a:t> </a:t>
+                  <a:t> is how well the feature matches the image. </a:t>
                 </a:r>
                 <a14:m>
                   <m:oMath xmlns:m="http://schemas.openxmlformats.org/officeDocument/2006/math">
@@ -6103,13 +5977,7 @@
                   <a:rPr lang="en-US" sz="3700" dirty="0" smtClean="0">
                     <a:latin typeface="Garamond" panose="02020404030301010803" pitchFamily="18" charset="0"/>
                   </a:rPr>
-                  <a:t> = 1 means there is a face, </a:t>
-                </a:r>
-                <a:r>
-                  <a:rPr lang="en-US" sz="3700" dirty="0" smtClean="0">
-                    <a:latin typeface="Garamond" panose="02020404030301010803" pitchFamily="18" charset="0"/>
-                  </a:rPr>
-                  <a:t>and</a:t>
+                  <a:t> = 1 means there is a face, and</a:t>
                 </a:r>
                 <a14:m>
                   <m:oMath xmlns:m="http://schemas.openxmlformats.org/officeDocument/2006/math">
@@ -6185,13 +6053,7 @@
                   <a:rPr lang="en-US" sz="3700" dirty="0" smtClean="0">
                     <a:latin typeface="Garamond" panose="02020404030301010803" pitchFamily="18" charset="0"/>
                   </a:rPr>
-                  <a:t> = 0 means </a:t>
-                </a:r>
-                <a:r>
-                  <a:rPr lang="en-US" sz="3700" dirty="0" smtClean="0">
-                    <a:latin typeface="Garamond" panose="02020404030301010803" pitchFamily="18" charset="0"/>
-                  </a:rPr>
-                  <a:t>there is no face. A weak classier should be able to identify faces with slightly above 50% accuracy.  </a:t>
+                  <a:t> = 0 means there is no face. A weak classier should be able to identify faces with slightly above 50% accuracy.  </a:t>
                 </a:r>
               </a:p>
               <a:p>
@@ -6205,13 +6067,7 @@
                   <a:rPr lang="en-US" sz="3700" b="1" dirty="0" smtClean="0">
                     <a:latin typeface="Garamond" panose="02020404030301010803" pitchFamily="18" charset="0"/>
                   </a:rPr>
-                  <a:t>strong </a:t>
-                </a:r>
-                <a:r>
-                  <a:rPr lang="en-US" sz="3700" b="1" dirty="0" smtClean="0">
-                    <a:latin typeface="Garamond" panose="02020404030301010803" pitchFamily="18" charset="0"/>
-                  </a:rPr>
-                  <a:t>classifier </a:t>
+                  <a:t>strong classifier </a:t>
                 </a:r>
                 <a:r>
                   <a:rPr lang="en-US" sz="3700" dirty="0" smtClean="0">
@@ -6251,43 +6107,7 @@
                   <a:rPr lang="en-US" sz="3700" dirty="0" smtClean="0">
                     <a:latin typeface="Garamond" panose="02020404030301010803" pitchFamily="18" charset="0"/>
                   </a:rPr>
-                  <a:t>), </a:t>
-                </a:r>
-                <a:r>
-                  <a:rPr lang="en-US" sz="3700" dirty="0" smtClean="0">
-                    <a:latin typeface="Garamond" panose="02020404030301010803" pitchFamily="18" charset="0"/>
-                  </a:rPr>
-                  <a:t>a linear combination of the best weak </a:t>
-                </a:r>
-                <a:r>
-                  <a:rPr lang="en-US" sz="3700" dirty="0" smtClean="0">
-                    <a:latin typeface="Garamond" panose="02020404030301010803" pitchFamily="18" charset="0"/>
-                  </a:rPr>
-                  <a:t>classifiers. This </a:t>
-                </a:r>
-                <a:r>
-                  <a:rPr lang="en-US" sz="3700" dirty="0" smtClean="0">
-                    <a:latin typeface="Garamond" panose="02020404030301010803" pitchFamily="18" charset="0"/>
-                  </a:rPr>
-                  <a:t>is more accurate than </a:t>
-                </a:r>
-                <a:r>
-                  <a:rPr lang="en-US" sz="3700" dirty="0" smtClean="0">
-                    <a:latin typeface="Garamond" panose="02020404030301010803" pitchFamily="18" charset="0"/>
-                  </a:rPr>
-                  <a:t>a </a:t>
-                </a:r>
-                <a:r>
-                  <a:rPr lang="en-US" sz="3700" dirty="0" smtClean="0">
-                    <a:latin typeface="Garamond" panose="02020404030301010803" pitchFamily="18" charset="0"/>
-                  </a:rPr>
-                  <a:t>single weak classifier.  </a:t>
-                </a:r>
-                <a:r>
-                  <a:rPr lang="en-US" sz="3700" dirty="0" smtClean="0">
-                    <a:latin typeface="Garamond" panose="02020404030301010803" pitchFamily="18" charset="0"/>
-                  </a:rPr>
-                  <a:t>To do this we use </a:t>
+                  <a:t>), a linear combination of the best weak classifiers. This is more accurate than a single weak classifier.  To do this we use </a:t>
                 </a:r>
                 <a:r>
                   <a:rPr lang="en-US" sz="3700" b="1" dirty="0" err="1" smtClean="0">
@@ -6299,13 +6119,7 @@
                   <a:rPr lang="en-US" sz="3700" dirty="0" smtClean="0">
                     <a:latin typeface="Garamond" panose="02020404030301010803" pitchFamily="18" charset="0"/>
                   </a:rPr>
-                  <a:t>, </a:t>
-                </a:r>
-                <a:r>
-                  <a:rPr lang="en-US" sz="3700" dirty="0" smtClean="0">
-                    <a:latin typeface="Garamond" panose="02020404030301010803" pitchFamily="18" charset="0"/>
-                  </a:rPr>
-                  <a:t>which runs for </a:t>
+                  <a:t>, which runs for </a:t>
                 </a:r>
                 <a:r>
                   <a:rPr lang="en-US" sz="3700" i="1" dirty="0" smtClean="0">
@@ -6757,13 +6571,7 @@
                   <a:rPr lang="en-US" sz="3700" dirty="0" smtClean="0">
                     <a:latin typeface="Garamond" panose="02020404030301010803" pitchFamily="18" charset="0"/>
                   </a:rPr>
-                  <a:t>for faces </a:t>
-                </a:r>
-                <a:r>
-                  <a:rPr lang="en-US" sz="3700" dirty="0" smtClean="0">
-                    <a:latin typeface="Garamond" panose="02020404030301010803" pitchFamily="18" charset="0"/>
-                  </a:rPr>
-                  <a:t>and non-faces respectively. The weights </a:t>
+                  <a:t>for faces and non-faces respectively. The weights </a:t>
                 </a:r>
                 <a:r>
                   <a:rPr lang="en-US" sz="3700" i="1" dirty="0" err="1" smtClean="0">
@@ -7349,13 +7157,7 @@
                   <a:rPr lang="en-US" sz="3700" dirty="0" smtClean="0">
                     <a:latin typeface="Garamond" panose="02020404030301010803" pitchFamily="18" charset="0"/>
                   </a:rPr>
-                  <a:t>, </a:t>
-                </a:r>
-                <a:r>
-                  <a:rPr lang="en-US" sz="3700" dirty="0" smtClean="0">
-                    <a:latin typeface="Garamond" panose="02020404030301010803" pitchFamily="18" charset="0"/>
-                  </a:rPr>
-                  <a:t>and </a:t>
+                  <a:t>, and </a:t>
                 </a:r>
                 <a14:m>
                   <m:oMath xmlns:m="http://schemas.openxmlformats.org/officeDocument/2006/math">
@@ -7380,7 +7182,7 @@
             </p:txBody>
           </p:sp>
         </mc:Choice>
-        <mc:Fallback>
+        <mc:Fallback xmlns="">
           <p:sp>
             <p:nvSpPr>
               <p:cNvPr id="26" name="TextBox 25"/>
@@ -7504,19 +7306,7 @@
               <a:rPr lang="en-US" sz="3700" dirty="0" smtClean="0">
                 <a:latin typeface="Garamond" panose="02020404030301010803" pitchFamily="18" charset="0"/>
               </a:rPr>
-              <a:t> at every location on an </a:t>
-            </a:r>
-            <a:r>
-              <a:rPr lang="en-US" sz="3700" dirty="0" smtClean="0">
-                <a:latin typeface="Garamond" panose="02020404030301010803" pitchFamily="18" charset="0"/>
-              </a:rPr>
-              <a:t>image is </a:t>
-            </a:r>
-            <a:r>
-              <a:rPr lang="en-US" sz="3700" dirty="0" smtClean="0">
-                <a:latin typeface="Garamond" panose="02020404030301010803" pitchFamily="18" charset="0"/>
-              </a:rPr>
-              <a:t>very inefficient, so we use a </a:t>
+              <a:t> at every location on an image is very inefficient, so we use a </a:t>
             </a:r>
             <a:r>
               <a:rPr lang="en-US" sz="3700" b="1" dirty="0" smtClean="0">
@@ -7540,47 +7330,8 @@
               <a:rPr lang="en-US" sz="3700" dirty="0" smtClean="0">
                 <a:latin typeface="Garamond" panose="02020404030301010803" pitchFamily="18" charset="0"/>
               </a:rPr>
-              <a:t>. The goal </a:t>
-            </a:r>
-            <a:r>
-              <a:rPr lang="en-US" sz="3700" dirty="0" smtClean="0">
-                <a:latin typeface="Garamond" panose="02020404030301010803" pitchFamily="18" charset="0"/>
-              </a:rPr>
-              <a:t>of</a:t>
-            </a:r>
-            <a:r>
-              <a:rPr lang="en-US" sz="3700" dirty="0" smtClean="0">
-                <a:latin typeface="Garamond" panose="02020404030301010803" pitchFamily="18" charset="0"/>
-              </a:rPr>
-              <a:t> </a:t>
-            </a:r>
-            <a:r>
-              <a:rPr lang="en-US" sz="3700" dirty="0" smtClean="0">
-                <a:latin typeface="Garamond" panose="02020404030301010803" pitchFamily="18" charset="0"/>
-              </a:rPr>
-              <a:t>each layer </a:t>
-            </a:r>
-            <a:r>
-              <a:rPr lang="en-US" sz="3700" dirty="0" smtClean="0">
-                <a:latin typeface="Garamond" panose="02020404030301010803" pitchFamily="18" charset="0"/>
-              </a:rPr>
-              <a:t>is to </a:t>
-            </a:r>
-            <a:r>
-              <a:rPr lang="en-US" sz="3700" dirty="0" smtClean="0">
-                <a:latin typeface="Garamond" panose="02020404030301010803" pitchFamily="18" charset="0"/>
-              </a:rPr>
-              <a:t>determine whether a sub-window is definitely not a face or maybe a face. [3] Each layer is trained to have a very high detection </a:t>
-            </a:r>
-            <a:r>
-              <a:rPr lang="en-US" sz="3700" dirty="0" smtClean="0">
-                <a:latin typeface="Garamond" panose="02020404030301010803" pitchFamily="18" charset="0"/>
-              </a:rPr>
-              <a:t>rate, with the trade-off of a significant false positive rate.</a:t>
-            </a:r>
-            <a:endParaRPr lang="en-US" sz="3700" dirty="0" smtClean="0">
-              <a:latin typeface="Garamond" panose="02020404030301010803" pitchFamily="18" charset="0"/>
-            </a:endParaRPr>
+              <a:t>. The goal of each layer is to determine whether a sub-window is definitely not a face or maybe a face. [3] Each layer is trained to have a very high detection rate, with the trade-off of a significant false positive rate.</a:t>
+            </a:r>
           </a:p>
           <a:p>
             <a:r>
@@ -7611,19 +7362,7 @@
               <a:rPr lang="en-US" sz="3700" dirty="0" smtClean="0">
                 <a:latin typeface="Garamond" panose="02020404030301010803" pitchFamily="18" charset="0"/>
               </a:rPr>
-              <a:t>definitely not a face, then the detector immediately proceeds to the next sub-window. So the vast majority of sub-windows are </a:t>
-            </a:r>
-            <a:r>
-              <a:rPr lang="en-US" sz="3700" dirty="0" smtClean="0">
-                <a:latin typeface="Garamond" panose="02020404030301010803" pitchFamily="18" charset="0"/>
-              </a:rPr>
-              <a:t>evaluated quickly</a:t>
-            </a:r>
-            <a:r>
-              <a:rPr lang="en-US" sz="3700" dirty="0" smtClean="0">
-                <a:latin typeface="Garamond" panose="02020404030301010803" pitchFamily="18" charset="0"/>
-              </a:rPr>
-              <a:t> </a:t>
+              <a:t>definitely not a face, then the detector immediately proceeds to the next sub-window. So the vast majority of sub-windows are evaluated quickly </a:t>
             </a:r>
             <a:endParaRPr lang="en-US" sz="3700" dirty="0">
               <a:latin typeface="Garamond" panose="02020404030301010803" pitchFamily="18" charset="0"/>
@@ -7669,55 +7408,7 @@
               <a:rPr lang="en-US" sz="3700" dirty="0" smtClean="0">
                 <a:latin typeface="Garamond" panose="02020404030301010803" pitchFamily="18" charset="0"/>
               </a:rPr>
-              <a:t>. It was trained on 575 images from databases [4], [5], and [6], with five training rounds. The </a:t>
-            </a:r>
-            <a:r>
-              <a:rPr lang="en-US" sz="3700" dirty="0" smtClean="0">
-                <a:latin typeface="Garamond" panose="02020404030301010803" pitchFamily="18" charset="0"/>
-              </a:rPr>
-              <a:t>people</a:t>
-            </a:r>
-            <a:r>
-              <a:rPr lang="en-US" sz="3700" dirty="0" smtClean="0">
-                <a:latin typeface="Garamond" panose="02020404030301010803" pitchFamily="18" charset="0"/>
-              </a:rPr>
-              <a:t> </a:t>
-            </a:r>
-            <a:r>
-              <a:rPr lang="en-US" sz="3700" dirty="0" smtClean="0">
-                <a:latin typeface="Garamond" panose="02020404030301010803" pitchFamily="18" charset="0"/>
-              </a:rPr>
-              <a:t>in every positive training example were directly facing the camera. The four test data sets contained  100 – 150 images each. </a:t>
-            </a:r>
-            <a:r>
-              <a:rPr lang="en-US" sz="3700" dirty="0" smtClean="0">
-                <a:latin typeface="Garamond" panose="02020404030301010803" pitchFamily="18" charset="0"/>
-              </a:rPr>
-              <a:t>None</a:t>
-            </a:r>
-            <a:r>
-              <a:rPr lang="en-US" sz="3700" dirty="0" smtClean="0">
-                <a:latin typeface="Garamond" panose="02020404030301010803" pitchFamily="18" charset="0"/>
-              </a:rPr>
-              <a:t> </a:t>
-            </a:r>
-            <a:r>
-              <a:rPr lang="en-US" sz="3700" dirty="0" smtClean="0">
-                <a:latin typeface="Garamond" panose="02020404030301010803" pitchFamily="18" charset="0"/>
-              </a:rPr>
-              <a:t>of the test images </a:t>
-            </a:r>
-            <a:r>
-              <a:rPr lang="en-US" sz="3700" dirty="0" smtClean="0">
-                <a:latin typeface="Garamond" panose="02020404030301010803" pitchFamily="18" charset="0"/>
-              </a:rPr>
-              <a:t>were </a:t>
-            </a:r>
-            <a:r>
-              <a:rPr lang="en-US" sz="3700" dirty="0" smtClean="0">
-                <a:latin typeface="Garamond" panose="02020404030301010803" pitchFamily="18" charset="0"/>
-              </a:rPr>
-              <a:t>in the training set.</a:t>
+              <a:t>. It was trained on 575 images from databases [4], [5], and [6], with five training rounds. The people in every positive training example were directly facing the camera. The four test data sets contained  100 – 150 images each. None of the test images were in the training set.</a:t>
             </a:r>
             <a:endParaRPr lang="en-US" sz="3700" dirty="0">
               <a:latin typeface="Garamond" panose="02020404030301010803" pitchFamily="18" charset="0"/>
@@ -7910,15 +7601,7 @@
                             <a:schemeClr val="accent4"/>
                           </a:solidFill>
                         </a:rPr>
-                        <a:t> </a:t>
-                      </a:r>
-                      <a:r>
-                        <a:rPr lang="en-US" sz="2400" dirty="0" smtClean="0">
-                          <a:solidFill>
-                            <a:schemeClr val="accent4"/>
-                          </a:solidFill>
-                        </a:rPr>
-                        <a:t>[4]</a:t>
+                        <a:t> [4]</a:t>
                       </a:r>
                       <a:endParaRPr lang="en-US" sz="2400" dirty="0">
                         <a:solidFill>
@@ -8332,25 +8015,7 @@
               <a:rPr lang="en-US" sz="3700" dirty="0" smtClean="0">
                 <a:latin typeface="Garamond" panose="02020404030301010803" pitchFamily="18" charset="0"/>
               </a:rPr>
-              <a:t>Note the very low detection rate for the AT&amp;T test set. This is because many of the </a:t>
-            </a:r>
-            <a:r>
-              <a:rPr lang="en-US" sz="3700" dirty="0" smtClean="0">
-                <a:latin typeface="Garamond" panose="02020404030301010803" pitchFamily="18" charset="0"/>
-              </a:rPr>
-              <a:t>people</a:t>
-            </a:r>
-            <a:r>
-              <a:rPr lang="en-US" sz="3700" dirty="0" smtClean="0">
-                <a:latin typeface="Garamond" panose="02020404030301010803" pitchFamily="18" charset="0"/>
-              </a:rPr>
-              <a:t> </a:t>
-            </a:r>
-            <a:r>
-              <a:rPr lang="en-US" sz="3700" dirty="0" smtClean="0">
-                <a:latin typeface="Garamond" panose="02020404030301010803" pitchFamily="18" charset="0"/>
-              </a:rPr>
-              <a:t>in that dataset are not directly facing the camera, unlike the training set. One way to improve the accuracy of our detector is to use a training set that contains pictures of faces from more angles.</a:t>
+              <a:t>Note the very low detection rate for the AT&amp;T test set. This is because many of the people in that dataset are not directly facing the camera, unlike the training set. One way to improve the accuracy of our detector is to use a training set that contains pictures of faces from more angles.</a:t>
             </a:r>
             <a:endParaRPr lang="en-US" sz="3700" dirty="0">
               <a:latin typeface="Garamond" panose="02020404030301010803" pitchFamily="18" charset="0"/>
